--- a/Documents/Slides.pptx
+++ b/Documents/Slides.pptx
@@ -6,8 +6,9 @@
   </p:sldMasterIdLst>
   <p:sldIdLst>
     <p:sldId id="256" r:id="rId2"/>
-    <p:sldId id="257" r:id="rId3"/>
-    <p:sldId id="258" r:id="rId4"/>
+    <p:sldId id="259" r:id="rId3"/>
+    <p:sldId id="257" r:id="rId4"/>
+    <p:sldId id="258" r:id="rId5"/>
   </p:sldIdLst>
   <p:sldSz cx="12192000" cy="6858000"/>
   <p:notesSz cx="6858000" cy="9144000"/>
@@ -9520,7 +9521,7 @@
           <p:cNvPr id="2" name="Title 1">
             <a:extLst>
               <a:ext uri="{FF2B5EF4-FFF2-40B4-BE49-F238E27FC236}">
-                <a16:creationId xmlns:a16="http://schemas.microsoft.com/office/drawing/2014/main" id="{4157F9F5-5BAA-4AD7-9E7F-BC7C72CB9002}"/>
+                <a16:creationId xmlns:a16="http://schemas.microsoft.com/office/drawing/2014/main" id="{893E91AA-3E13-4347-99D8-24B21175A3B7}"/>
               </a:ext>
             </a:extLst>
           </p:cNvPr>
@@ -9537,67 +9538,50 @@
           <a:lstStyle/>
           <a:p>
             <a:r>
-              <a:rPr lang="en-US" dirty="0" err="1"/>
-              <a:t>GoF</a:t>
-            </a:r>
-            <a:r>
               <a:rPr lang="en-US" dirty="0"/>
-              <a:t> Observer Pattern</a:t>
+              <a:t>GIT Repo</a:t>
             </a:r>
           </a:p>
         </p:txBody>
       </p:sp>
-      <p:pic>
-        <p:nvPicPr>
-          <p:cNvPr id="1026" name="Picture 2" descr="Related image">
-            <a:extLst>
-              <a:ext uri="{FF2B5EF4-FFF2-40B4-BE49-F238E27FC236}">
-                <a16:creationId xmlns:a16="http://schemas.microsoft.com/office/drawing/2014/main" id="{4D232311-500D-4535-8BDD-C9F9BE4BE4C9}"/>
-              </a:ext>
-            </a:extLst>
-          </p:cNvPr>
-          <p:cNvPicPr>
-            <a:picLocks noChangeAspect="1" noChangeArrowheads="1"/>
-          </p:cNvPicPr>
+      <p:sp>
+        <p:nvSpPr>
+          <p:cNvPr id="3" name="Rectangle 2">
+            <a:extLst>
+              <a:ext uri="{FF2B5EF4-FFF2-40B4-BE49-F238E27FC236}">
+                <a16:creationId xmlns:a16="http://schemas.microsoft.com/office/drawing/2014/main" id="{B9AB72BD-D0FA-4D8E-99BF-F2F425EBF543}"/>
+              </a:ext>
+            </a:extLst>
+          </p:cNvPr>
+          <p:cNvSpPr/>
           <p:nvPr/>
-        </p:nvPicPr>
-        <p:blipFill>
-          <a:blip r:embed="rId2">
-            <a:extLst>
-              <a:ext uri="{28A0092B-C50C-407E-A947-70E740481C1C}">
-                <a14:useLocalDpi xmlns:a14="http://schemas.microsoft.com/office/drawing/2010/main" val="0"/>
-              </a:ext>
-            </a:extLst>
-          </a:blip>
-          <a:srcRect/>
-          <a:stretch>
-            <a:fillRect/>
-          </a:stretch>
-        </p:blipFill>
-        <p:spPr bwMode="auto">
-          <a:xfrm>
-            <a:off x="2566137" y="2118470"/>
-            <a:ext cx="6772275" cy="3905250"/>
+        </p:nvSpPr>
+        <p:spPr>
+          <a:xfrm>
+            <a:off x="333578" y="3303201"/>
+            <a:ext cx="11588941" cy="646331"/>
           </a:xfrm>
           <a:prstGeom prst="rect">
             <a:avLst/>
           </a:prstGeom>
-          <a:noFill/>
-          <a:extLst>
-            <a:ext uri="{909E8E84-426E-40DD-AFC4-6F175D3DCCD1}">
-              <a14:hiddenFill xmlns:a14="http://schemas.microsoft.com/office/drawing/2010/main">
-                <a:solidFill>
-                  <a:srgbClr val="FFFFFF"/>
-                </a:solidFill>
-              </a14:hiddenFill>
-            </a:ext>
-          </a:extLst>
-        </p:spPr>
-      </p:pic>
+        </p:spPr>
+        <p:txBody>
+          <a:bodyPr wrap="square">
+            <a:spAutoFit/>
+          </a:bodyPr>
+          <a:lstStyle/>
+          <a:p>
+            <a:r>
+              <a:rPr lang="en-US" sz="3600" dirty="0"/>
+              <a:t>https://github.com/gdzierzon/Angular-Observables-Demo.git</a:t>
+            </a:r>
+          </a:p>
+        </p:txBody>
+      </p:sp>
     </p:spTree>
     <p:extLst>
       <p:ext uri="{BB962C8B-B14F-4D97-AF65-F5344CB8AC3E}">
-        <p14:creationId xmlns:p14="http://schemas.microsoft.com/office/powerpoint/2010/main" val="3042438396"/>
+        <p14:creationId xmlns:p14="http://schemas.microsoft.com/office/powerpoint/2010/main" val="2896348438"/>
       </p:ext>
     </p:extLst>
   </p:cSld>
@@ -9646,26 +9630,22 @@
           <a:lstStyle/>
           <a:p>
             <a:r>
+              <a:rPr lang="en-US" dirty="0" err="1"/>
+              <a:t>GoF</a:t>
+            </a:r>
+            <a:r>
               <a:rPr lang="en-US" dirty="0"/>
-              <a:t>Reactive.io (</a:t>
-            </a:r>
-            <a:r>
-              <a:rPr lang="en-US" dirty="0" err="1"/>
-              <a:t>RxJS</a:t>
-            </a:r>
-            <a:r>
-              <a:rPr lang="en-US" dirty="0"/>
-              <a:t>) Observer Pattern</a:t>
+              <a:t> Observer Pattern</a:t>
             </a:r>
           </a:p>
         </p:txBody>
       </p:sp>
       <p:pic>
         <p:nvPicPr>
-          <p:cNvPr id="2052" name="Picture 4" descr="Image result for RX observer pattern subscribe unsubscribe">
-            <a:extLst>
-              <a:ext uri="{FF2B5EF4-FFF2-40B4-BE49-F238E27FC236}">
-                <a16:creationId xmlns:a16="http://schemas.microsoft.com/office/drawing/2014/main" id="{96388486-2ED6-4AE1-99F9-FA3C786E1A6C}"/>
+          <p:cNvPr id="1026" name="Picture 2" descr="Related image">
+            <a:extLst>
+              <a:ext uri="{FF2B5EF4-FFF2-40B4-BE49-F238E27FC236}">
+                <a16:creationId xmlns:a16="http://schemas.microsoft.com/office/drawing/2014/main" id="{4D232311-500D-4535-8BDD-C9F9BE4BE4C9}"/>
               </a:ext>
             </a:extLst>
           </p:cNvPr>
@@ -9689,8 +9669,8 @@
         </p:blipFill>
         <p:spPr bwMode="auto">
           <a:xfrm>
-            <a:off x="2214237" y="2133186"/>
-            <a:ext cx="7205229" cy="4196936"/>
+            <a:off x="2566137" y="2118470"/>
+            <a:ext cx="6772275" cy="3905250"/>
           </a:xfrm>
           <a:prstGeom prst="rect">
             <a:avLst/>
@@ -9705,6 +9685,101 @@
               </a14:hiddenFill>
             </a:ext>
           </a:extLst>
+        </p:spPr>
+      </p:pic>
+    </p:spTree>
+    <p:extLst>
+      <p:ext uri="{BB962C8B-B14F-4D97-AF65-F5344CB8AC3E}">
+        <p14:creationId xmlns:p14="http://schemas.microsoft.com/office/powerpoint/2010/main" val="3042438396"/>
+      </p:ext>
+    </p:extLst>
+  </p:cSld>
+  <p:clrMapOvr>
+    <a:masterClrMapping/>
+  </p:clrMapOvr>
+</p:sld>
+</file>
+
+<file path=ppt/slides/slide4.xml><?xml version="1.0" encoding="utf-8"?>
+<p:sld xmlns:a="http://schemas.openxmlformats.org/drawingml/2006/main" xmlns:r="http://schemas.openxmlformats.org/officeDocument/2006/relationships" xmlns:p="http://schemas.openxmlformats.org/presentationml/2006/main">
+  <p:cSld>
+    <p:spTree>
+      <p:nvGrpSpPr>
+        <p:cNvPr id="1" name=""/>
+        <p:cNvGrpSpPr/>
+        <p:nvPr/>
+      </p:nvGrpSpPr>
+      <p:grpSpPr>
+        <a:xfrm>
+          <a:off x="0" y="0"/>
+          <a:ext cx="0" cy="0"/>
+          <a:chOff x="0" y="0"/>
+          <a:chExt cx="0" cy="0"/>
+        </a:xfrm>
+      </p:grpSpPr>
+      <p:sp>
+        <p:nvSpPr>
+          <p:cNvPr id="2" name="Title 1">
+            <a:extLst>
+              <a:ext uri="{FF2B5EF4-FFF2-40B4-BE49-F238E27FC236}">
+                <a16:creationId xmlns:a16="http://schemas.microsoft.com/office/drawing/2014/main" id="{4157F9F5-5BAA-4AD7-9E7F-BC7C72CB9002}"/>
+              </a:ext>
+            </a:extLst>
+          </p:cNvPr>
+          <p:cNvSpPr>
+            <a:spLocks noGrp="1"/>
+          </p:cNvSpPr>
+          <p:nvPr>
+            <p:ph type="title"/>
+          </p:nvPr>
+        </p:nvSpPr>
+        <p:spPr/>
+        <p:txBody>
+          <a:bodyPr/>
+          <a:lstStyle/>
+          <a:p>
+            <a:r>
+              <a:rPr lang="en-US" dirty="0"/>
+              <a:t>Reactive.io (</a:t>
+            </a:r>
+            <a:r>
+              <a:rPr lang="en-US" dirty="0" err="1"/>
+              <a:t>RxJS</a:t>
+            </a:r>
+            <a:r>
+              <a:rPr lang="en-US" dirty="0"/>
+              <a:t>) Observer Pattern</a:t>
+            </a:r>
+          </a:p>
+        </p:txBody>
+      </p:sp>
+      <p:pic>
+        <p:nvPicPr>
+          <p:cNvPr id="3" name="Picture 2">
+            <a:extLst>
+              <a:ext uri="{FF2B5EF4-FFF2-40B4-BE49-F238E27FC236}">
+                <a16:creationId xmlns:a16="http://schemas.microsoft.com/office/drawing/2014/main" id="{907B7CF5-381A-4156-8BCA-7EB96D80761D}"/>
+              </a:ext>
+            </a:extLst>
+          </p:cNvPr>
+          <p:cNvPicPr>
+            <a:picLocks noChangeAspect="1"/>
+          </p:cNvPicPr>
+          <p:nvPr/>
+        </p:nvPicPr>
+        <p:blipFill rotWithShape="1">
+          <a:blip r:embed="rId2"/>
+          <a:srcRect t="7863" b="5198"/>
+          <a:stretch/>
+        </p:blipFill>
+        <p:spPr>
+          <a:xfrm>
+            <a:off x="2744584" y="1930836"/>
+            <a:ext cx="5901654" cy="4324759"/>
+          </a:xfrm>
+          <a:prstGeom prst="rect">
+            <a:avLst/>
+          </a:prstGeom>
         </p:spPr>
       </p:pic>
     </p:spTree>
